--- a/디자인/Flowchart.pptx
+++ b/디자인/Flowchart.pptx
@@ -104,6 +104,11 @@
       </a:defRPr>
     </a:lvl9pPr>
   </p:defaultTextStyle>
+  <p:extLst>
+    <p:ext uri="{EFAFB233-063F-42B5-8137-9DF3F51BA10A}">
+      <p15:sldGuideLst xmlns:p15="http://schemas.microsoft.com/office/powerpoint/2012/main"/>
+    </p:ext>
+  </p:extLst>
 </p:presentation>
 </file>
 
@@ -238,7 +243,7 @@
           <a:p>
             <a:fld id="{8D0830C9-7774-4FC1-8C77-9539E447E4FC}" type="datetimeFigureOut">
               <a:rPr lang="ko-KR" altLang="en-US" smtClean="0"/>
-              <a:t>2023-10-12</a:t>
+              <a:t>2023-10-13</a:t>
             </a:fld>
             <a:endParaRPr lang="ko-KR" altLang="en-US"/>
           </a:p>
@@ -408,7 +413,7 @@
           <a:p>
             <a:fld id="{8D0830C9-7774-4FC1-8C77-9539E447E4FC}" type="datetimeFigureOut">
               <a:rPr lang="ko-KR" altLang="en-US" smtClean="0"/>
-              <a:t>2023-10-12</a:t>
+              <a:t>2023-10-13</a:t>
             </a:fld>
             <a:endParaRPr lang="ko-KR" altLang="en-US"/>
           </a:p>
@@ -588,7 +593,7 @@
           <a:p>
             <a:fld id="{8D0830C9-7774-4FC1-8C77-9539E447E4FC}" type="datetimeFigureOut">
               <a:rPr lang="ko-KR" altLang="en-US" smtClean="0"/>
-              <a:t>2023-10-12</a:t>
+              <a:t>2023-10-13</a:t>
             </a:fld>
             <a:endParaRPr lang="ko-KR" altLang="en-US"/>
           </a:p>
@@ -758,7 +763,7 @@
           <a:p>
             <a:fld id="{8D0830C9-7774-4FC1-8C77-9539E447E4FC}" type="datetimeFigureOut">
               <a:rPr lang="ko-KR" altLang="en-US" smtClean="0"/>
-              <a:t>2023-10-12</a:t>
+              <a:t>2023-10-13</a:t>
             </a:fld>
             <a:endParaRPr lang="ko-KR" altLang="en-US"/>
           </a:p>
@@ -1004,7 +1009,7 @@
           <a:p>
             <a:fld id="{8D0830C9-7774-4FC1-8C77-9539E447E4FC}" type="datetimeFigureOut">
               <a:rPr lang="ko-KR" altLang="en-US" smtClean="0"/>
-              <a:t>2023-10-12</a:t>
+              <a:t>2023-10-13</a:t>
             </a:fld>
             <a:endParaRPr lang="ko-KR" altLang="en-US"/>
           </a:p>
@@ -1236,7 +1241,7 @@
           <a:p>
             <a:fld id="{8D0830C9-7774-4FC1-8C77-9539E447E4FC}" type="datetimeFigureOut">
               <a:rPr lang="ko-KR" altLang="en-US" smtClean="0"/>
-              <a:t>2023-10-12</a:t>
+              <a:t>2023-10-13</a:t>
             </a:fld>
             <a:endParaRPr lang="ko-KR" altLang="en-US"/>
           </a:p>
@@ -1603,7 +1608,7 @@
           <a:p>
             <a:fld id="{8D0830C9-7774-4FC1-8C77-9539E447E4FC}" type="datetimeFigureOut">
               <a:rPr lang="ko-KR" altLang="en-US" smtClean="0"/>
-              <a:t>2023-10-12</a:t>
+              <a:t>2023-10-13</a:t>
             </a:fld>
             <a:endParaRPr lang="ko-KR" altLang="en-US"/>
           </a:p>
@@ -1721,7 +1726,7 @@
           <a:p>
             <a:fld id="{8D0830C9-7774-4FC1-8C77-9539E447E4FC}" type="datetimeFigureOut">
               <a:rPr lang="ko-KR" altLang="en-US" smtClean="0"/>
-              <a:t>2023-10-12</a:t>
+              <a:t>2023-10-13</a:t>
             </a:fld>
             <a:endParaRPr lang="ko-KR" altLang="en-US"/>
           </a:p>
@@ -1816,7 +1821,7 @@
           <a:p>
             <a:fld id="{8D0830C9-7774-4FC1-8C77-9539E447E4FC}" type="datetimeFigureOut">
               <a:rPr lang="ko-KR" altLang="en-US" smtClean="0"/>
-              <a:t>2023-10-12</a:t>
+              <a:t>2023-10-13</a:t>
             </a:fld>
             <a:endParaRPr lang="ko-KR" altLang="en-US"/>
           </a:p>
@@ -2093,7 +2098,7 @@
           <a:p>
             <a:fld id="{8D0830C9-7774-4FC1-8C77-9539E447E4FC}" type="datetimeFigureOut">
               <a:rPr lang="ko-KR" altLang="en-US" smtClean="0"/>
-              <a:t>2023-10-12</a:t>
+              <a:t>2023-10-13</a:t>
             </a:fld>
             <a:endParaRPr lang="ko-KR" altLang="en-US"/>
           </a:p>
@@ -2346,7 +2351,7 @@
           <a:p>
             <a:fld id="{8D0830C9-7774-4FC1-8C77-9539E447E4FC}" type="datetimeFigureOut">
               <a:rPr lang="ko-KR" altLang="en-US" smtClean="0"/>
-              <a:t>2023-10-12</a:t>
+              <a:t>2023-10-13</a:t>
             </a:fld>
             <a:endParaRPr lang="ko-KR" altLang="en-US"/>
           </a:p>
@@ -2559,7 +2564,7 @@
           <a:p>
             <a:fld id="{8D0830C9-7774-4FC1-8C77-9539E447E4FC}" type="datetimeFigureOut">
               <a:rPr lang="ko-KR" altLang="en-US" smtClean="0"/>
-              <a:t>2023-10-12</a:t>
+              <a:t>2023-10-13</a:t>
             </a:fld>
             <a:endParaRPr lang="ko-KR" altLang="en-US"/>
           </a:p>
@@ -2966,6 +2971,56 @@
       </p:grpSpPr>
       <p:sp>
         <p:nvSpPr>
+          <p:cNvPr id="2" name="TextBox 1"/>
+          <p:cNvSpPr txBox="1"/>
+          <p:nvPr/>
+        </p:nvSpPr>
+        <p:spPr>
+          <a:xfrm>
+            <a:off x="5546411" y="1730686"/>
+            <a:ext cx="880370" cy="307777"/>
+          </a:xfrm>
+          <a:prstGeom prst="rect">
+            <a:avLst/>
+          </a:prstGeom>
+          <a:noFill/>
+          <a:ln w="9525">
+            <a:noFill/>
+          </a:ln>
+        </p:spPr>
+        <p:txBody>
+          <a:bodyPr wrap="none" rtlCol="0">
+            <a:spAutoFit/>
+          </a:bodyPr>
+          <a:lstStyle/>
+          <a:p>
+            <a:pPr algn="ctr"/>
+            <a:r>
+              <a:rPr lang="ko-KR" altLang="en-US" sz="700" dirty="0" smtClean="0"/>
+              <a:t>동일 이름</a:t>
+            </a:r>
+            <a:r>
+              <a:rPr lang="en-US" altLang="ko-KR" sz="700" dirty="0" smtClean="0"/>
+              <a:t>/</a:t>
+            </a:r>
+            <a:r>
+              <a:rPr lang="ko-KR" altLang="en-US" sz="700" dirty="0" smtClean="0"/>
+              <a:t>이메일</a:t>
+            </a:r>
+            <a:endParaRPr lang="en-US" altLang="ko-KR" sz="700" dirty="0" smtClean="0"/>
+          </a:p>
+          <a:p>
+            <a:pPr algn="ctr"/>
+            <a:r>
+              <a:rPr lang="ko-KR" altLang="en-US" sz="700" dirty="0" smtClean="0"/>
+              <a:t>회원 검색</a:t>
+            </a:r>
+            <a:endParaRPr lang="ko-KR" altLang="en-US" sz="700" dirty="0"/>
+          </a:p>
+        </p:txBody>
+      </p:sp>
+      <p:sp>
+        <p:nvSpPr>
           <p:cNvPr id="4" name="모서리가 둥근 직사각형 3"/>
           <p:cNvSpPr/>
           <p:nvPr/>
@@ -2978,6 +3033,12 @@
           <a:prstGeom prst="roundRect">
             <a:avLst/>
           </a:prstGeom>
+          <a:solidFill>
+            <a:schemeClr val="accent2"/>
+          </a:solidFill>
+          <a:ln>
+            <a:noFill/>
+          </a:ln>
         </p:spPr>
         <p:style>
           <a:lnRef idx="2">
@@ -3000,7 +3061,11 @@
           <a:lstStyle/>
           <a:p>
             <a:pPr algn="ctr"/>
-            <a:endParaRPr lang="ko-KR" altLang="en-US"/>
+            <a:endParaRPr lang="ko-KR" altLang="en-US">
+              <a:solidFill>
+                <a:schemeClr val="bg1"/>
+              </a:solidFill>
+            </a:endParaRPr>
           </a:p>
         </p:txBody>
       </p:sp>
@@ -3018,6 +3083,12 @@
           <a:prstGeom prst="rect">
             <a:avLst/>
           </a:prstGeom>
+          <a:noFill/>
+          <a:ln w="9525">
+            <a:solidFill>
+              <a:schemeClr val="tx1"/>
+            </a:solidFill>
+          </a:ln>
         </p:spPr>
         <p:style>
           <a:lnRef idx="2">
@@ -3058,6 +3129,12 @@
           <a:prstGeom prst="parallelogram">
             <a:avLst/>
           </a:prstGeom>
+          <a:noFill/>
+          <a:ln w="9525">
+            <a:solidFill>
+              <a:schemeClr val="tx1"/>
+            </a:solidFill>
+          </a:ln>
         </p:spPr>
         <p:style>
           <a:lnRef idx="2">
@@ -3098,6 +3175,12 @@
           <a:prstGeom prst="diamond">
             <a:avLst/>
           </a:prstGeom>
+          <a:noFill/>
+          <a:ln w="9525">
+            <a:solidFill>
+              <a:schemeClr val="tx1"/>
+            </a:solidFill>
+          </a:ln>
         </p:spPr>
         <p:style>
           <a:lnRef idx="2">
@@ -3138,6 +3221,12 @@
           <a:prstGeom prst="rect">
             <a:avLst/>
           </a:prstGeom>
+          <a:noFill/>
+          <a:ln w="9525">
+            <a:solidFill>
+              <a:schemeClr val="tx1"/>
+            </a:solidFill>
+          </a:ln>
         </p:spPr>
         <p:style>
           <a:lnRef idx="2">
@@ -3178,6 +3267,12 @@
           <a:prstGeom prst="diamond">
             <a:avLst/>
           </a:prstGeom>
+          <a:noFill/>
+          <a:ln w="9525">
+            <a:solidFill>
+              <a:schemeClr val="tx1"/>
+            </a:solidFill>
+          </a:ln>
         </p:spPr>
         <p:style>
           <a:lnRef idx="2">
@@ -3218,6 +3313,12 @@
           <a:prstGeom prst="rect">
             <a:avLst/>
           </a:prstGeom>
+          <a:noFill/>
+          <a:ln w="9525">
+            <a:solidFill>
+              <a:schemeClr val="tx1"/>
+            </a:solidFill>
+          </a:ln>
         </p:spPr>
         <p:style>
           <a:lnRef idx="2">
@@ -3258,6 +3359,12 @@
           <a:prstGeom prst="rect">
             <a:avLst/>
           </a:prstGeom>
+          <a:noFill/>
+          <a:ln w="9525">
+            <a:solidFill>
+              <a:schemeClr val="tx1"/>
+            </a:solidFill>
+          </a:ln>
         </p:spPr>
         <p:style>
           <a:lnRef idx="2">
@@ -3298,6 +3405,12 @@
           <a:prstGeom prst="diamond">
             <a:avLst/>
           </a:prstGeom>
+          <a:noFill/>
+          <a:ln w="9525">
+            <a:solidFill>
+              <a:schemeClr val="tx1"/>
+            </a:solidFill>
+          </a:ln>
         </p:spPr>
         <p:style>
           <a:lnRef idx="2">
@@ -3338,6 +3451,12 @@
           <a:prstGeom prst="roundRect">
             <a:avLst/>
           </a:prstGeom>
+          <a:solidFill>
+            <a:schemeClr val="accent2"/>
+          </a:solidFill>
+          <a:ln>
+            <a:noFill/>
+          </a:ln>
         </p:spPr>
         <p:style>
           <a:lnRef idx="2">
@@ -3360,7 +3479,11 @@
           <a:lstStyle/>
           <a:p>
             <a:pPr algn="ctr"/>
-            <a:endParaRPr lang="ko-KR" altLang="en-US"/>
+            <a:endParaRPr lang="ko-KR" altLang="en-US">
+              <a:solidFill>
+                <a:schemeClr val="bg1"/>
+              </a:solidFill>
+            </a:endParaRPr>
           </a:p>
         </p:txBody>
       </p:sp>
@@ -3378,6 +3501,12 @@
           <a:prstGeom prst="rect">
             <a:avLst/>
           </a:prstGeom>
+          <a:noFill/>
+          <a:ln w="9525">
+            <a:solidFill>
+              <a:schemeClr val="tx1"/>
+            </a:solidFill>
+          </a:ln>
         </p:spPr>
         <p:style>
           <a:lnRef idx="2">
@@ -3418,6 +3547,12 @@
           <a:prstGeom prst="rect">
             <a:avLst/>
           </a:prstGeom>
+          <a:noFill/>
+          <a:ln w="9525">
+            <a:solidFill>
+              <a:schemeClr val="tx1"/>
+            </a:solidFill>
+          </a:ln>
         </p:spPr>
         <p:style>
           <a:lnRef idx="2">
@@ -3452,12 +3587,18 @@
         </p:nvSpPr>
         <p:spPr>
           <a:xfrm>
-            <a:off x="7753699" y="2134983"/>
+            <a:off x="7753700" y="2134983"/>
             <a:ext cx="814647" cy="623455"/>
           </a:xfrm>
           <a:prstGeom prst="diamond">
             <a:avLst/>
           </a:prstGeom>
+          <a:noFill/>
+          <a:ln w="9525">
+            <a:solidFill>
+              <a:schemeClr val="tx1"/>
+            </a:solidFill>
+          </a:ln>
         </p:spPr>
         <p:style>
           <a:lnRef idx="2">
@@ -3498,6 +3639,12 @@
           <a:prstGeom prst="rect">
             <a:avLst/>
           </a:prstGeom>
+          <a:noFill/>
+          <a:ln w="9525">
+            <a:solidFill>
+              <a:schemeClr val="tx1"/>
+            </a:solidFill>
+          </a:ln>
         </p:spPr>
         <p:style>
           <a:lnRef idx="2">
@@ -3538,6 +3685,12 @@
           <a:prstGeom prst="rect">
             <a:avLst/>
           </a:prstGeom>
+          <a:noFill/>
+          <a:ln w="9525">
+            <a:solidFill>
+              <a:schemeClr val="tx1"/>
+            </a:solidFill>
+          </a:ln>
         </p:spPr>
         <p:style>
           <a:lnRef idx="2">
@@ -3572,12 +3725,18 @@
         </p:nvSpPr>
         <p:spPr>
           <a:xfrm>
-            <a:off x="7753699" y="4112025"/>
+            <a:off x="7753700" y="4112025"/>
             <a:ext cx="814647" cy="623455"/>
           </a:xfrm>
           <a:prstGeom prst="diamond">
             <a:avLst/>
           </a:prstGeom>
+          <a:noFill/>
+          <a:ln w="9525">
+            <a:solidFill>
+              <a:schemeClr val="tx1"/>
+            </a:solidFill>
+          </a:ln>
         </p:spPr>
         <p:style>
           <a:lnRef idx="2">
@@ -3618,6 +3777,12 @@
           <a:prstGeom prst="rect">
             <a:avLst/>
           </a:prstGeom>
+          <a:noFill/>
+          <a:ln w="9525">
+            <a:solidFill>
+              <a:schemeClr val="tx1"/>
+            </a:solidFill>
+          </a:ln>
         </p:spPr>
         <p:style>
           <a:lnRef idx="2">
@@ -3658,6 +3823,12 @@
           <a:prstGeom prst="rect">
             <a:avLst/>
           </a:prstGeom>
+          <a:noFill/>
+          <a:ln w="9525">
+            <a:solidFill>
+              <a:schemeClr val="tx1"/>
+            </a:solidFill>
+          </a:ln>
         </p:spPr>
         <p:style>
           <a:lnRef idx="2">
@@ -3698,6 +3869,12 @@
           <a:prstGeom prst="rect">
             <a:avLst/>
           </a:prstGeom>
+          <a:noFill/>
+          <a:ln w="9525">
+            <a:solidFill>
+              <a:schemeClr val="tx1"/>
+            </a:solidFill>
+          </a:ln>
         </p:spPr>
         <p:style>
           <a:lnRef idx="2">
@@ -3738,6 +3915,12 @@
           <a:prstGeom prst="parallelogram">
             <a:avLst/>
           </a:prstGeom>
+          <a:noFill/>
+          <a:ln w="9525">
+            <a:solidFill>
+              <a:schemeClr val="tx1"/>
+            </a:solidFill>
+          </a:ln>
         </p:spPr>
         <p:style>
           <a:lnRef idx="2">
@@ -3778,6 +3961,12 @@
           <a:prstGeom prst="can">
             <a:avLst/>
           </a:prstGeom>
+          <a:noFill/>
+          <a:ln w="9525">
+            <a:solidFill>
+              <a:schemeClr val="tx1"/>
+            </a:solidFill>
+          </a:ln>
         </p:spPr>
         <p:style>
           <a:lnRef idx="2">
@@ -3818,6 +4007,12 @@
           <a:prstGeom prst="diamond">
             <a:avLst/>
           </a:prstGeom>
+          <a:noFill/>
+          <a:ln w="9525">
+            <a:solidFill>
+              <a:schemeClr val="tx1"/>
+            </a:solidFill>
+          </a:ln>
         </p:spPr>
         <p:style>
           <a:lnRef idx="2">
@@ -3858,6 +4053,12 @@
           <a:prstGeom prst="roundRect">
             <a:avLst/>
           </a:prstGeom>
+          <a:noFill/>
+          <a:ln w="9525">
+            <a:solidFill>
+              <a:schemeClr val="tx1"/>
+            </a:solidFill>
+          </a:ln>
         </p:spPr>
         <p:style>
           <a:lnRef idx="2">
@@ -3898,6 +4099,12 @@
           <a:prstGeom prst="roundRect">
             <a:avLst/>
           </a:prstGeom>
+          <a:noFill/>
+          <a:ln w="9525">
+            <a:solidFill>
+              <a:schemeClr val="tx1"/>
+            </a:solidFill>
+          </a:ln>
         </p:spPr>
         <p:style>
           <a:lnRef idx="2">
@@ -3938,6 +4145,12 @@
           <a:prstGeom prst="rect">
             <a:avLst/>
           </a:prstGeom>
+          <a:noFill/>
+          <a:ln w="9525">
+            <a:solidFill>
+              <a:schemeClr val="tx1"/>
+            </a:solidFill>
+          </a:ln>
         </p:spPr>
         <p:style>
           <a:lnRef idx="2">
@@ -3978,6 +4191,12 @@
           <a:prstGeom prst="rect">
             <a:avLst/>
           </a:prstGeom>
+          <a:noFill/>
+          <a:ln w="9525">
+            <a:solidFill>
+              <a:schemeClr val="tx1"/>
+            </a:solidFill>
+          </a:ln>
         </p:spPr>
         <p:style>
           <a:lnRef idx="2">
@@ -4018,6 +4237,12 @@
           <a:prstGeom prst="rect">
             <a:avLst/>
           </a:prstGeom>
+          <a:noFill/>
+          <a:ln w="9525">
+            <a:solidFill>
+              <a:schemeClr val="tx1"/>
+            </a:solidFill>
+          </a:ln>
         </p:spPr>
         <p:style>
           <a:lnRef idx="2">
@@ -4058,6 +4283,12 @@
           <a:prstGeom prst="roundRect">
             <a:avLst/>
           </a:prstGeom>
+          <a:noFill/>
+          <a:ln w="9525">
+            <a:solidFill>
+              <a:schemeClr val="tx1"/>
+            </a:solidFill>
+          </a:ln>
         </p:spPr>
         <p:style>
           <a:lnRef idx="2">
@@ -4098,6 +4329,12 @@
           <a:prstGeom prst="rect">
             <a:avLst/>
           </a:prstGeom>
+          <a:noFill/>
+          <a:ln w="9525">
+            <a:solidFill>
+              <a:schemeClr val="tx1"/>
+            </a:solidFill>
+          </a:ln>
         </p:spPr>
         <p:style>
           <a:lnRef idx="2">
@@ -4138,6 +4375,12 @@
           <a:prstGeom prst="rect">
             <a:avLst/>
           </a:prstGeom>
+          <a:noFill/>
+          <a:ln w="9525">
+            <a:solidFill>
+              <a:schemeClr val="tx1"/>
+            </a:solidFill>
+          </a:ln>
         </p:spPr>
         <p:style>
           <a:lnRef idx="2">
@@ -4172,12 +4415,18 @@
         </p:nvSpPr>
         <p:spPr>
           <a:xfrm>
-            <a:off x="2238188" y="3947731"/>
+            <a:off x="2238188" y="3943619"/>
             <a:ext cx="814647" cy="332509"/>
           </a:xfrm>
           <a:prstGeom prst="rect">
             <a:avLst/>
           </a:prstGeom>
+          <a:noFill/>
+          <a:ln w="9525">
+            <a:solidFill>
+              <a:schemeClr val="tx1"/>
+            </a:solidFill>
+          </a:ln>
         </p:spPr>
         <p:style>
           <a:lnRef idx="2">
@@ -4484,6 +4733,12 @@
           <a:prstGeom prst="rect">
             <a:avLst/>
           </a:prstGeom>
+          <a:noFill/>
+          <a:ln w="9525">
+            <a:solidFill>
+              <a:schemeClr val="tx1"/>
+            </a:solidFill>
+          </a:ln>
         </p:spPr>
         <p:style>
           <a:lnRef idx="2">
@@ -5124,8 +5379,8 @@
         </p:nvCxnSpPr>
         <p:spPr>
           <a:xfrm>
-            <a:off x="2645512" y="4280240"/>
-            <a:ext cx="0" cy="437806"/>
+            <a:off x="2645512" y="4276128"/>
+            <a:ext cx="0" cy="441918"/>
           </a:xfrm>
           <a:prstGeom prst="straightConnector1">
             <a:avLst/>
@@ -5197,7 +5452,7 @@
         <p:spPr>
           <a:xfrm flipH="1">
             <a:off x="3052835" y="4109604"/>
-            <a:ext cx="324205" cy="4382"/>
+            <a:ext cx="324205" cy="270"/>
           </a:xfrm>
           <a:prstGeom prst="straightConnector1">
             <a:avLst/>
@@ -5260,15 +5515,12 @@
       <p:cxnSp>
         <p:nvCxnSpPr>
           <p:cNvPr id="106" name="직선 화살표 연결선 105"/>
-          <p:cNvCxnSpPr>
-            <a:stCxn id="13" idx="2"/>
-            <a:endCxn id="14" idx="0"/>
-          </p:cNvCxnSpPr>
+          <p:cNvCxnSpPr/>
           <p:nvPr/>
         </p:nvCxnSpPr>
         <p:spPr>
           <a:xfrm>
-            <a:off x="8161024" y="781396"/>
+            <a:off x="8161023" y="781396"/>
             <a:ext cx="0" cy="229523"/>
           </a:xfrm>
           <a:prstGeom prst="straightConnector1">
@@ -5296,15 +5548,12 @@
       <p:cxnSp>
         <p:nvCxnSpPr>
           <p:cNvPr id="108" name="직선 화살표 연결선 107"/>
-          <p:cNvCxnSpPr>
-            <a:stCxn id="14" idx="2"/>
-            <a:endCxn id="15" idx="0"/>
-          </p:cNvCxnSpPr>
+          <p:cNvCxnSpPr/>
           <p:nvPr/>
         </p:nvCxnSpPr>
         <p:spPr>
           <a:xfrm>
-            <a:off x="8161024" y="1343428"/>
+            <a:off x="8161023" y="1343428"/>
             <a:ext cx="0" cy="229523"/>
           </a:xfrm>
           <a:prstGeom prst="straightConnector1">
@@ -5332,16 +5581,13 @@
       <p:cxnSp>
         <p:nvCxnSpPr>
           <p:cNvPr id="110" name="직선 화살표 연결선 109"/>
-          <p:cNvCxnSpPr>
-            <a:stCxn id="15" idx="2"/>
-            <a:endCxn id="16" idx="0"/>
-          </p:cNvCxnSpPr>
+          <p:cNvCxnSpPr/>
           <p:nvPr/>
         </p:nvCxnSpPr>
         <p:spPr>
-          <a:xfrm flipH="1">
+          <a:xfrm>
             <a:off x="8161023" y="1905460"/>
-            <a:ext cx="1" cy="229523"/>
+            <a:ext cx="0" cy="229523"/>
           </a:xfrm>
           <a:prstGeom prst="straightConnector1">
             <a:avLst/>
@@ -5368,16 +5614,13 @@
       <p:cxnSp>
         <p:nvCxnSpPr>
           <p:cNvPr id="112" name="직선 화살표 연결선 111"/>
-          <p:cNvCxnSpPr>
-            <a:stCxn id="16" idx="2"/>
-            <a:endCxn id="17" idx="0"/>
-          </p:cNvCxnSpPr>
+          <p:cNvCxnSpPr/>
           <p:nvPr/>
         </p:nvCxnSpPr>
         <p:spPr>
           <a:xfrm>
             <a:off x="8161023" y="2758438"/>
-            <a:ext cx="1" cy="229523"/>
+            <a:ext cx="0" cy="229523"/>
           </a:xfrm>
           <a:prstGeom prst="straightConnector1">
             <a:avLst/>
@@ -5404,15 +5647,12 @@
       <p:cxnSp>
         <p:nvCxnSpPr>
           <p:cNvPr id="114" name="직선 화살표 연결선 113"/>
-          <p:cNvCxnSpPr>
-            <a:stCxn id="17" idx="2"/>
-            <a:endCxn id="18" idx="0"/>
-          </p:cNvCxnSpPr>
+          <p:cNvCxnSpPr/>
           <p:nvPr/>
         </p:nvCxnSpPr>
         <p:spPr>
           <a:xfrm>
-            <a:off x="8161024" y="3320470"/>
+            <a:off x="8161023" y="3320470"/>
             <a:ext cx="0" cy="229523"/>
           </a:xfrm>
           <a:prstGeom prst="straightConnector1">
@@ -5440,16 +5680,13 @@
       <p:cxnSp>
         <p:nvCxnSpPr>
           <p:cNvPr id="117" name="직선 화살표 연결선 116"/>
-          <p:cNvCxnSpPr>
-            <a:stCxn id="18" idx="2"/>
-            <a:endCxn id="19" idx="0"/>
-          </p:cNvCxnSpPr>
+          <p:cNvCxnSpPr/>
           <p:nvPr/>
         </p:nvCxnSpPr>
         <p:spPr>
-          <a:xfrm flipH="1">
+          <a:xfrm>
             <a:off x="8161023" y="3882502"/>
-            <a:ext cx="1" cy="229523"/>
+            <a:ext cx="0" cy="229523"/>
           </a:xfrm>
           <a:prstGeom prst="straightConnector1">
             <a:avLst/>
@@ -5484,8 +5721,8 @@
         </p:nvCxnSpPr>
         <p:spPr>
           <a:xfrm>
-            <a:off x="8161023" y="4735480"/>
-            <a:ext cx="1" cy="229523"/>
+            <a:off x="8161024" y="4735480"/>
+            <a:ext cx="0" cy="229523"/>
           </a:xfrm>
           <a:prstGeom prst="straightConnector1">
             <a:avLst/>
@@ -5734,8 +5971,8 @@
         </p:nvCxnSpPr>
         <p:spPr>
           <a:xfrm flipV="1">
-            <a:off x="8568346" y="2446710"/>
-            <a:ext cx="1024545" cy="1"/>
+            <a:off x="8568347" y="2446710"/>
+            <a:ext cx="1024544" cy="1"/>
           </a:xfrm>
           <a:prstGeom prst="straightConnector1">
             <a:avLst/>
@@ -6240,6 +6477,1850 @@
           </a:fontRef>
         </p:style>
       </p:cxnSp>
+      <p:sp>
+        <p:nvSpPr>
+          <p:cNvPr id="89" name="TextBox 88"/>
+          <p:cNvSpPr txBox="1"/>
+          <p:nvPr/>
+        </p:nvSpPr>
+        <p:spPr>
+          <a:xfrm>
+            <a:off x="5711508" y="2793840"/>
+            <a:ext cx="513282" cy="200055"/>
+          </a:xfrm>
+          <a:prstGeom prst="rect">
+            <a:avLst/>
+          </a:prstGeom>
+          <a:noFill/>
+        </p:spPr>
+        <p:txBody>
+          <a:bodyPr wrap="none" rtlCol="0">
+            <a:spAutoFit/>
+          </a:bodyPr>
+          <a:lstStyle/>
+          <a:p>
+            <a:pPr algn="ctr"/>
+            <a:r>
+              <a:rPr lang="ko-KR" altLang="en-US" sz="700" dirty="0" smtClean="0"/>
+              <a:t>회원 </a:t>
+            </a:r>
+            <a:r>
+              <a:rPr lang="en-US" altLang="ko-KR" sz="700" dirty="0" smtClean="0"/>
+              <a:t>DB</a:t>
+            </a:r>
+            <a:endParaRPr lang="ko-KR" altLang="en-US" sz="700" dirty="0"/>
+          </a:p>
+        </p:txBody>
+      </p:sp>
+      <p:sp>
+        <p:nvSpPr>
+          <p:cNvPr id="91" name="TextBox 90"/>
+          <p:cNvSpPr txBox="1"/>
+          <p:nvPr/>
+        </p:nvSpPr>
+        <p:spPr>
+          <a:xfrm>
+            <a:off x="5551540" y="3834032"/>
+            <a:ext cx="845103" cy="307777"/>
+          </a:xfrm>
+          <a:prstGeom prst="rect">
+            <a:avLst/>
+          </a:prstGeom>
+          <a:noFill/>
+        </p:spPr>
+        <p:txBody>
+          <a:bodyPr wrap="none" rtlCol="0">
+            <a:spAutoFit/>
+          </a:bodyPr>
+          <a:lstStyle/>
+          <a:p>
+            <a:pPr algn="ctr"/>
+            <a:r>
+              <a:rPr lang="ko-KR" altLang="en-US" sz="700" dirty="0" smtClean="0"/>
+              <a:t>일치하는</a:t>
+            </a:r>
+            <a:r>
+              <a:rPr lang="en-US" altLang="ko-KR" sz="700" dirty="0" smtClean="0"/>
+              <a:t> </a:t>
+            </a:r>
+            <a:r>
+              <a:rPr lang="ko-KR" altLang="en-US" sz="700" dirty="0" smtClean="0"/>
+              <a:t>회원이</a:t>
+            </a:r>
+            <a:endParaRPr lang="en-US" altLang="ko-KR" sz="700" dirty="0" smtClean="0"/>
+          </a:p>
+          <a:p>
+            <a:pPr algn="ctr"/>
+            <a:r>
+              <a:rPr lang="ko-KR" altLang="en-US" sz="700" dirty="0" smtClean="0"/>
+              <a:t>있는가</a:t>
+            </a:r>
+            <a:r>
+              <a:rPr lang="en-US" altLang="ko-KR" sz="700" dirty="0"/>
+              <a:t>?</a:t>
+            </a:r>
+            <a:endParaRPr lang="ko-KR" altLang="en-US" sz="700" dirty="0"/>
+          </a:p>
+        </p:txBody>
+      </p:sp>
+      <p:sp>
+        <p:nvSpPr>
+          <p:cNvPr id="92" name="TextBox 91"/>
+          <p:cNvSpPr txBox="1"/>
+          <p:nvPr/>
+        </p:nvSpPr>
+        <p:spPr>
+          <a:xfrm>
+            <a:off x="3451577" y="510731"/>
+            <a:ext cx="665567" cy="200055"/>
+          </a:xfrm>
+          <a:prstGeom prst="rect">
+            <a:avLst/>
+          </a:prstGeom>
+          <a:noFill/>
+        </p:spPr>
+        <p:txBody>
+          <a:bodyPr wrap="none" rtlCol="0">
+            <a:spAutoFit/>
+          </a:bodyPr>
+          <a:lstStyle/>
+          <a:p>
+            <a:pPr algn="ctr"/>
+            <a:r>
+              <a:rPr lang="ko-KR" altLang="en-US" sz="700" dirty="0" smtClean="0">
+                <a:solidFill>
+                  <a:schemeClr val="bg1"/>
+                </a:solidFill>
+              </a:rPr>
+              <a:t>아이디 찾기</a:t>
+            </a:r>
+            <a:endParaRPr lang="ko-KR" altLang="en-US" sz="700" dirty="0">
+              <a:solidFill>
+                <a:schemeClr val="bg1"/>
+              </a:solidFill>
+            </a:endParaRPr>
+          </a:p>
+        </p:txBody>
+      </p:sp>
+      <p:sp>
+        <p:nvSpPr>
+          <p:cNvPr id="94" name="TextBox 93"/>
+          <p:cNvSpPr txBox="1"/>
+          <p:nvPr/>
+        </p:nvSpPr>
+        <p:spPr>
+          <a:xfrm>
+            <a:off x="3345779" y="1134186"/>
+            <a:ext cx="877163" cy="200055"/>
+          </a:xfrm>
+          <a:prstGeom prst="rect">
+            <a:avLst/>
+          </a:prstGeom>
+          <a:noFill/>
+        </p:spPr>
+        <p:txBody>
+          <a:bodyPr wrap="none" rtlCol="0">
+            <a:spAutoFit/>
+          </a:bodyPr>
+          <a:lstStyle/>
+          <a:p>
+            <a:pPr algn="ctr"/>
+            <a:r>
+              <a:rPr lang="ko-KR" altLang="en-US" sz="700" smtClean="0"/>
+              <a:t>아이디 찾기 신청</a:t>
+            </a:r>
+            <a:endParaRPr lang="ko-KR" altLang="en-US" sz="700" dirty="0"/>
+          </a:p>
+        </p:txBody>
+      </p:sp>
+      <p:sp>
+        <p:nvSpPr>
+          <p:cNvPr id="96" name="TextBox 95"/>
+          <p:cNvSpPr txBox="1"/>
+          <p:nvPr/>
+        </p:nvSpPr>
+        <p:spPr>
+          <a:xfrm>
+            <a:off x="3451574" y="1695144"/>
+            <a:ext cx="665568" cy="307777"/>
+          </a:xfrm>
+          <a:prstGeom prst="rect">
+            <a:avLst/>
+          </a:prstGeom>
+          <a:noFill/>
+        </p:spPr>
+        <p:txBody>
+          <a:bodyPr wrap="none" rtlCol="0">
+            <a:spAutoFit/>
+          </a:bodyPr>
+          <a:lstStyle/>
+          <a:p>
+            <a:pPr algn="ctr"/>
+            <a:r>
+              <a:rPr lang="ko-KR" altLang="en-US" sz="700" dirty="0" smtClean="0"/>
+              <a:t>부분 </a:t>
+            </a:r>
+            <a:r>
+              <a:rPr lang="en-US" altLang="ko-KR" sz="700" dirty="0" smtClean="0"/>
+              <a:t>Block</a:t>
+            </a:r>
+          </a:p>
+          <a:p>
+            <a:pPr algn="ctr"/>
+            <a:r>
+              <a:rPr lang="ko-KR" altLang="en-US" sz="700" dirty="0" smtClean="0"/>
+              <a:t>아이디 노출</a:t>
+            </a:r>
+            <a:endParaRPr lang="en-US" altLang="ko-KR" sz="700" dirty="0" smtClean="0"/>
+          </a:p>
+        </p:txBody>
+      </p:sp>
+      <p:sp>
+        <p:nvSpPr>
+          <p:cNvPr id="97" name="TextBox 96"/>
+          <p:cNvSpPr txBox="1"/>
+          <p:nvPr/>
+        </p:nvSpPr>
+        <p:spPr>
+          <a:xfrm>
+            <a:off x="3491649" y="2425452"/>
+            <a:ext cx="585418" cy="307777"/>
+          </a:xfrm>
+          <a:prstGeom prst="rect">
+            <a:avLst/>
+          </a:prstGeom>
+          <a:noFill/>
+        </p:spPr>
+        <p:txBody>
+          <a:bodyPr wrap="none" rtlCol="0">
+            <a:spAutoFit/>
+          </a:bodyPr>
+          <a:lstStyle/>
+          <a:p>
+            <a:pPr algn="ctr"/>
+            <a:r>
+              <a:rPr lang="ko-KR" altLang="en-US" sz="700" dirty="0" smtClean="0"/>
+              <a:t>아이디</a:t>
+            </a:r>
+            <a:endParaRPr lang="en-US" altLang="ko-KR" sz="700" dirty="0" smtClean="0"/>
+          </a:p>
+          <a:p>
+            <a:pPr algn="ctr"/>
+            <a:r>
+              <a:rPr lang="ko-KR" altLang="en-US" sz="700" dirty="0" err="1" smtClean="0"/>
+              <a:t>전체찾기</a:t>
+            </a:r>
+            <a:r>
+              <a:rPr lang="en-US" altLang="ko-KR" sz="700" dirty="0" smtClean="0"/>
+              <a:t>?</a:t>
+            </a:r>
+            <a:endParaRPr lang="ko-KR" altLang="en-US" sz="700" dirty="0"/>
+          </a:p>
+        </p:txBody>
+      </p:sp>
+      <p:sp>
+        <p:nvSpPr>
+          <p:cNvPr id="99" name="TextBox 98"/>
+          <p:cNvSpPr txBox="1"/>
+          <p:nvPr/>
+        </p:nvSpPr>
+        <p:spPr>
+          <a:xfrm>
+            <a:off x="3397856" y="3245844"/>
+            <a:ext cx="787395" cy="200055"/>
+          </a:xfrm>
+          <a:prstGeom prst="rect">
+            <a:avLst/>
+          </a:prstGeom>
+          <a:noFill/>
+        </p:spPr>
+        <p:txBody>
+          <a:bodyPr wrap="none" rtlCol="0">
+            <a:spAutoFit/>
+          </a:bodyPr>
+          <a:lstStyle/>
+          <a:p>
+            <a:pPr algn="ctr"/>
+            <a:r>
+              <a:rPr lang="ko-KR" altLang="en-US" sz="700" smtClean="0"/>
+              <a:t>인증 방식 선택</a:t>
+            </a:r>
+            <a:endParaRPr lang="ko-KR" altLang="en-US" sz="700" dirty="0"/>
+          </a:p>
+        </p:txBody>
+      </p:sp>
+      <p:sp>
+        <p:nvSpPr>
+          <p:cNvPr id="101" name="TextBox 100"/>
+          <p:cNvSpPr txBox="1"/>
+          <p:nvPr/>
+        </p:nvSpPr>
+        <p:spPr>
+          <a:xfrm>
+            <a:off x="3425147" y="4011767"/>
+            <a:ext cx="707246" cy="200055"/>
+          </a:xfrm>
+          <a:prstGeom prst="rect">
+            <a:avLst/>
+          </a:prstGeom>
+          <a:noFill/>
+        </p:spPr>
+        <p:txBody>
+          <a:bodyPr wrap="none" rtlCol="0">
+            <a:spAutoFit/>
+          </a:bodyPr>
+          <a:lstStyle/>
+          <a:p>
+            <a:pPr algn="ctr"/>
+            <a:r>
+              <a:rPr lang="ko-KR" altLang="en-US" sz="700" dirty="0" smtClean="0"/>
+              <a:t>이메일 인증</a:t>
+            </a:r>
+            <a:r>
+              <a:rPr lang="en-US" altLang="ko-KR" sz="700" dirty="0" smtClean="0"/>
+              <a:t>?</a:t>
+            </a:r>
+            <a:endParaRPr lang="ko-KR" altLang="en-US" sz="700" dirty="0"/>
+          </a:p>
+        </p:txBody>
+      </p:sp>
+      <p:sp>
+        <p:nvSpPr>
+          <p:cNvPr id="103" name="TextBox 102"/>
+          <p:cNvSpPr txBox="1"/>
+          <p:nvPr/>
+        </p:nvSpPr>
+        <p:spPr>
+          <a:xfrm>
+            <a:off x="3407316" y="4785889"/>
+            <a:ext cx="755335" cy="200055"/>
+          </a:xfrm>
+          <a:prstGeom prst="rect">
+            <a:avLst/>
+          </a:prstGeom>
+          <a:noFill/>
+        </p:spPr>
+        <p:txBody>
+          <a:bodyPr wrap="none" rtlCol="0">
+            <a:spAutoFit/>
+          </a:bodyPr>
+          <a:lstStyle/>
+          <a:p>
+            <a:pPr algn="ctr"/>
+            <a:r>
+              <a:rPr lang="ko-KR" altLang="en-US" sz="700" err="1" smtClean="0"/>
+              <a:t>인증메일</a:t>
+            </a:r>
+            <a:r>
+              <a:rPr lang="ko-KR" altLang="en-US" sz="700" dirty="0" smtClean="0"/>
+              <a:t> 발송</a:t>
+            </a:r>
+            <a:endParaRPr lang="ko-KR" altLang="en-US" sz="700" dirty="0"/>
+          </a:p>
+        </p:txBody>
+      </p:sp>
+      <p:sp>
+        <p:nvSpPr>
+          <p:cNvPr id="105" name="TextBox 104"/>
+          <p:cNvSpPr txBox="1"/>
+          <p:nvPr/>
+        </p:nvSpPr>
+        <p:spPr>
+          <a:xfrm>
+            <a:off x="3413885" y="5403218"/>
+            <a:ext cx="755335" cy="200055"/>
+          </a:xfrm>
+          <a:prstGeom prst="rect">
+            <a:avLst/>
+          </a:prstGeom>
+          <a:noFill/>
+        </p:spPr>
+        <p:txBody>
+          <a:bodyPr wrap="none" rtlCol="0">
+            <a:spAutoFit/>
+          </a:bodyPr>
+          <a:lstStyle/>
+          <a:p>
+            <a:pPr algn="ctr"/>
+            <a:r>
+              <a:rPr lang="ko-KR" altLang="en-US" sz="700" dirty="0" err="1" smtClean="0"/>
+              <a:t>인증링크</a:t>
+            </a:r>
+            <a:r>
+              <a:rPr lang="ko-KR" altLang="en-US" sz="700" dirty="0" smtClean="0"/>
+              <a:t> 클릭</a:t>
+            </a:r>
+            <a:endParaRPr lang="ko-KR" altLang="en-US" sz="700" dirty="0"/>
+          </a:p>
+        </p:txBody>
+      </p:sp>
+      <p:sp>
+        <p:nvSpPr>
+          <p:cNvPr id="111" name="TextBox 110"/>
+          <p:cNvSpPr txBox="1"/>
+          <p:nvPr/>
+        </p:nvSpPr>
+        <p:spPr>
+          <a:xfrm>
+            <a:off x="3340971" y="6156377"/>
+            <a:ext cx="886781" cy="200055"/>
+          </a:xfrm>
+          <a:prstGeom prst="rect">
+            <a:avLst/>
+          </a:prstGeom>
+          <a:noFill/>
+        </p:spPr>
+        <p:txBody>
+          <a:bodyPr wrap="none" rtlCol="0">
+            <a:spAutoFit/>
+          </a:bodyPr>
+          <a:lstStyle/>
+          <a:p>
+            <a:pPr algn="ctr"/>
+            <a:r>
+              <a:rPr lang="ko-KR" altLang="en-US" sz="700" dirty="0" err="1" smtClean="0"/>
+              <a:t>유효시간내</a:t>
+            </a:r>
+            <a:r>
+              <a:rPr lang="ko-KR" altLang="en-US" sz="700" dirty="0" smtClean="0"/>
+              <a:t> 인증</a:t>
+            </a:r>
+            <a:r>
+              <a:rPr lang="en-US" altLang="ko-KR" sz="700" dirty="0" smtClean="0"/>
+              <a:t>?</a:t>
+            </a:r>
+            <a:endParaRPr lang="ko-KR" altLang="en-US" sz="700" dirty="0"/>
+          </a:p>
+        </p:txBody>
+      </p:sp>
+      <p:sp>
+        <p:nvSpPr>
+          <p:cNvPr id="113" name="TextBox 112"/>
+          <p:cNvSpPr txBox="1"/>
+          <p:nvPr/>
+        </p:nvSpPr>
+        <p:spPr>
+          <a:xfrm>
+            <a:off x="2267843" y="5393181"/>
+            <a:ext cx="755335" cy="200055"/>
+          </a:xfrm>
+          <a:prstGeom prst="rect">
+            <a:avLst/>
+          </a:prstGeom>
+          <a:noFill/>
+        </p:spPr>
+        <p:txBody>
+          <a:bodyPr wrap="none" rtlCol="0">
+            <a:spAutoFit/>
+          </a:bodyPr>
+          <a:lstStyle/>
+          <a:p>
+            <a:pPr algn="ctr"/>
+            <a:r>
+              <a:rPr lang="ko-KR" altLang="en-US" sz="700" dirty="0" smtClean="0"/>
+              <a:t>인증번호 입력</a:t>
+            </a:r>
+            <a:endParaRPr lang="ko-KR" altLang="en-US" sz="700" dirty="0"/>
+          </a:p>
+        </p:txBody>
+      </p:sp>
+      <p:sp>
+        <p:nvSpPr>
+          <p:cNvPr id="115" name="TextBox 114"/>
+          <p:cNvSpPr txBox="1"/>
+          <p:nvPr/>
+        </p:nvSpPr>
+        <p:spPr>
+          <a:xfrm>
+            <a:off x="2252613" y="4785889"/>
+            <a:ext cx="785793" cy="200055"/>
+          </a:xfrm>
+          <a:prstGeom prst="rect">
+            <a:avLst/>
+          </a:prstGeom>
+          <a:noFill/>
+        </p:spPr>
+        <p:txBody>
+          <a:bodyPr wrap="none" rtlCol="0">
+            <a:spAutoFit/>
+          </a:bodyPr>
+          <a:lstStyle/>
+          <a:p>
+            <a:pPr algn="ctr"/>
+            <a:r>
+              <a:rPr lang="en-US" altLang="ko-KR" sz="700" dirty="0" smtClean="0"/>
+              <a:t>SMS </a:t>
+            </a:r>
+            <a:r>
+              <a:rPr lang="ko-KR" altLang="en-US" sz="700" dirty="0" smtClean="0"/>
+              <a:t>인증 발송</a:t>
+            </a:r>
+            <a:endParaRPr lang="ko-KR" altLang="en-US" sz="700" dirty="0"/>
+          </a:p>
+        </p:txBody>
+      </p:sp>
+      <p:sp>
+        <p:nvSpPr>
+          <p:cNvPr id="116" name="TextBox 115"/>
+          <p:cNvSpPr txBox="1"/>
+          <p:nvPr/>
+        </p:nvSpPr>
+        <p:spPr>
+          <a:xfrm>
+            <a:off x="2206927" y="4009846"/>
+            <a:ext cx="877163" cy="200055"/>
+          </a:xfrm>
+          <a:prstGeom prst="rect">
+            <a:avLst/>
+          </a:prstGeom>
+          <a:noFill/>
+        </p:spPr>
+        <p:txBody>
+          <a:bodyPr wrap="none" rtlCol="0">
+            <a:spAutoFit/>
+          </a:bodyPr>
+          <a:lstStyle/>
+          <a:p>
+            <a:pPr algn="ctr"/>
+            <a:r>
+              <a:rPr lang="ko-KR" altLang="en-US" sz="700" dirty="0" smtClean="0"/>
+              <a:t>휴대폰 인증 선택</a:t>
+            </a:r>
+            <a:endParaRPr lang="ko-KR" altLang="en-US" sz="700" dirty="0"/>
+          </a:p>
+        </p:txBody>
+      </p:sp>
+      <p:sp>
+        <p:nvSpPr>
+          <p:cNvPr id="126" name="TextBox 125"/>
+          <p:cNvSpPr txBox="1"/>
+          <p:nvPr/>
+        </p:nvSpPr>
+        <p:spPr>
+          <a:xfrm>
+            <a:off x="2357612" y="2476512"/>
+            <a:ext cx="575800" cy="200055"/>
+          </a:xfrm>
+          <a:prstGeom prst="rect">
+            <a:avLst/>
+          </a:prstGeom>
+          <a:noFill/>
+        </p:spPr>
+        <p:txBody>
+          <a:bodyPr wrap="none" rtlCol="0">
+            <a:spAutoFit/>
+          </a:bodyPr>
+          <a:lstStyle/>
+          <a:p>
+            <a:pPr algn="ctr"/>
+            <a:r>
+              <a:rPr lang="ko-KR" altLang="en-US" sz="700" smtClean="0"/>
+              <a:t>메인 화면</a:t>
+            </a:r>
+            <a:endParaRPr lang="ko-KR" altLang="en-US" sz="700" dirty="0"/>
+          </a:p>
+        </p:txBody>
+      </p:sp>
+      <p:sp>
+        <p:nvSpPr>
+          <p:cNvPr id="127" name="TextBox 126"/>
+          <p:cNvSpPr txBox="1"/>
+          <p:nvPr/>
+        </p:nvSpPr>
+        <p:spPr>
+          <a:xfrm>
+            <a:off x="1244925" y="772533"/>
+            <a:ext cx="665567" cy="200055"/>
+          </a:xfrm>
+          <a:prstGeom prst="rect">
+            <a:avLst/>
+          </a:prstGeom>
+          <a:noFill/>
+        </p:spPr>
+        <p:txBody>
+          <a:bodyPr wrap="none" rtlCol="0">
+            <a:spAutoFit/>
+          </a:bodyPr>
+          <a:lstStyle/>
+          <a:p>
+            <a:pPr algn="ctr"/>
+            <a:r>
+              <a:rPr lang="ko-KR" altLang="en-US" sz="700" smtClean="0"/>
+              <a:t>아이디 찾기</a:t>
+            </a:r>
+            <a:endParaRPr lang="ko-KR" altLang="en-US" sz="700" dirty="0"/>
+          </a:p>
+        </p:txBody>
+      </p:sp>
+      <p:sp>
+        <p:nvSpPr>
+          <p:cNvPr id="128" name="TextBox 127"/>
+          <p:cNvSpPr txBox="1"/>
+          <p:nvPr/>
+        </p:nvSpPr>
+        <p:spPr>
+          <a:xfrm>
+            <a:off x="1256498" y="1029998"/>
+            <a:ext cx="630301" cy="200055"/>
+          </a:xfrm>
+          <a:prstGeom prst="rect">
+            <a:avLst/>
+          </a:prstGeom>
+          <a:noFill/>
+        </p:spPr>
+        <p:txBody>
+          <a:bodyPr wrap="none" rtlCol="0">
+            <a:spAutoFit/>
+          </a:bodyPr>
+          <a:lstStyle/>
+          <a:p>
+            <a:pPr algn="ctr"/>
+            <a:r>
+              <a:rPr lang="en-US" altLang="ko-KR" sz="700" dirty="0" smtClean="0"/>
+              <a:t>[</a:t>
+            </a:r>
+            <a:r>
+              <a:rPr lang="ko-KR" altLang="en-US" sz="700" dirty="0" smtClean="0"/>
+              <a:t>필드</a:t>
+            </a:r>
+            <a:r>
+              <a:rPr lang="en-US" altLang="ko-KR" sz="700" dirty="0" smtClean="0"/>
+              <a:t>] </a:t>
+            </a:r>
+            <a:r>
+              <a:rPr lang="ko-KR" altLang="en-US" sz="700" dirty="0" smtClean="0"/>
+              <a:t>이름</a:t>
+            </a:r>
+            <a:endParaRPr lang="ko-KR" altLang="en-US" sz="700" dirty="0"/>
+          </a:p>
+        </p:txBody>
+      </p:sp>
+      <p:sp>
+        <p:nvSpPr>
+          <p:cNvPr id="129" name="TextBox 128"/>
+          <p:cNvSpPr txBox="1"/>
+          <p:nvPr/>
+        </p:nvSpPr>
+        <p:spPr>
+          <a:xfrm>
+            <a:off x="1214620" y="1226398"/>
+            <a:ext cx="720069" cy="200055"/>
+          </a:xfrm>
+          <a:prstGeom prst="rect">
+            <a:avLst/>
+          </a:prstGeom>
+          <a:noFill/>
+        </p:spPr>
+        <p:txBody>
+          <a:bodyPr wrap="none" rtlCol="0">
+            <a:spAutoFit/>
+          </a:bodyPr>
+          <a:lstStyle/>
+          <a:p>
+            <a:pPr algn="ctr"/>
+            <a:r>
+              <a:rPr lang="en-US" altLang="ko-KR" sz="700" dirty="0" smtClean="0"/>
+              <a:t>[</a:t>
+            </a:r>
+            <a:r>
+              <a:rPr lang="ko-KR" altLang="en-US" sz="700" dirty="0" smtClean="0"/>
+              <a:t>필드</a:t>
+            </a:r>
+            <a:r>
+              <a:rPr lang="en-US" altLang="ko-KR" sz="700" dirty="0" smtClean="0"/>
+              <a:t>] </a:t>
+            </a:r>
+            <a:r>
+              <a:rPr lang="ko-KR" altLang="en-US" sz="700" dirty="0" smtClean="0"/>
+              <a:t>이메일</a:t>
+            </a:r>
+            <a:endParaRPr lang="ko-KR" altLang="en-US" sz="700" dirty="0"/>
+          </a:p>
+        </p:txBody>
+      </p:sp>
+      <p:sp>
+        <p:nvSpPr>
+          <p:cNvPr id="131" name="TextBox 130"/>
+          <p:cNvSpPr txBox="1"/>
+          <p:nvPr/>
+        </p:nvSpPr>
+        <p:spPr>
+          <a:xfrm>
+            <a:off x="1125975" y="1435190"/>
+            <a:ext cx="899605" cy="200055"/>
+          </a:xfrm>
+          <a:prstGeom prst="rect">
+            <a:avLst/>
+          </a:prstGeom>
+          <a:noFill/>
+        </p:spPr>
+        <p:txBody>
+          <a:bodyPr wrap="none" rtlCol="0">
+            <a:spAutoFit/>
+          </a:bodyPr>
+          <a:lstStyle/>
+          <a:p>
+            <a:pPr algn="ctr"/>
+            <a:r>
+              <a:rPr lang="en-US" altLang="ko-KR" sz="700" dirty="0" smtClean="0"/>
+              <a:t>[</a:t>
+            </a:r>
+            <a:r>
+              <a:rPr lang="ko-KR" altLang="en-US" sz="700" dirty="0" smtClean="0"/>
+              <a:t>버튼</a:t>
+            </a:r>
+            <a:r>
+              <a:rPr lang="en-US" altLang="ko-KR" sz="700" dirty="0" smtClean="0"/>
+              <a:t>] </a:t>
+            </a:r>
+            <a:r>
+              <a:rPr lang="ko-KR" altLang="en-US" sz="700" dirty="0" err="1" smtClean="0"/>
+              <a:t>아이디찾기</a:t>
+            </a:r>
+            <a:endParaRPr lang="ko-KR" altLang="en-US" sz="700" dirty="0"/>
+          </a:p>
+        </p:txBody>
+      </p:sp>
+      <p:sp>
+        <p:nvSpPr>
+          <p:cNvPr id="133" name="TextBox 132"/>
+          <p:cNvSpPr txBox="1"/>
+          <p:nvPr/>
+        </p:nvSpPr>
+        <p:spPr>
+          <a:xfrm>
+            <a:off x="383657" y="5815987"/>
+            <a:ext cx="1435008" cy="307777"/>
+          </a:xfrm>
+          <a:prstGeom prst="rect">
+            <a:avLst/>
+          </a:prstGeom>
+          <a:noFill/>
+        </p:spPr>
+        <p:txBody>
+          <a:bodyPr wrap="none" rtlCol="0">
+            <a:spAutoFit/>
+          </a:bodyPr>
+          <a:lstStyle/>
+          <a:p>
+            <a:pPr algn="ctr"/>
+            <a:r>
+              <a:rPr lang="ko-KR" altLang="en-US" sz="700" dirty="0" err="1" smtClean="0"/>
+              <a:t>유효시간이</a:t>
+            </a:r>
+            <a:r>
+              <a:rPr lang="ko-KR" altLang="en-US" sz="700" dirty="0" smtClean="0"/>
+              <a:t> 만료되었습니다</a:t>
+            </a:r>
+            <a:r>
+              <a:rPr lang="en-US" altLang="ko-KR" sz="700" dirty="0" smtClean="0"/>
+              <a:t>.</a:t>
+            </a:r>
+          </a:p>
+          <a:p>
+            <a:pPr algn="ctr"/>
+            <a:r>
+              <a:rPr lang="ko-KR" altLang="en-US" sz="700" dirty="0" smtClean="0"/>
+              <a:t>인증메일을 다시 요청해주세요</a:t>
+            </a:r>
+            <a:r>
+              <a:rPr lang="en-US" altLang="ko-KR" sz="700" dirty="0" smtClean="0"/>
+              <a:t>.</a:t>
+            </a:r>
+            <a:endParaRPr lang="ko-KR" altLang="en-US" sz="700" dirty="0"/>
+          </a:p>
+        </p:txBody>
+      </p:sp>
+      <p:sp>
+        <p:nvSpPr>
+          <p:cNvPr id="146" name="직사각형 145"/>
+          <p:cNvSpPr/>
+          <p:nvPr/>
+        </p:nvSpPr>
+        <p:spPr>
+          <a:xfrm>
+            <a:off x="927087" y="6156377"/>
+            <a:ext cx="348149" cy="201667"/>
+          </a:xfrm>
+          <a:prstGeom prst="rect">
+            <a:avLst/>
+          </a:prstGeom>
+          <a:noFill/>
+          <a:ln>
+            <a:noFill/>
+          </a:ln>
+        </p:spPr>
+        <p:style>
+          <a:lnRef idx="2">
+            <a:schemeClr val="accent1">
+              <a:shade val="50000"/>
+            </a:schemeClr>
+          </a:lnRef>
+          <a:fillRef idx="1">
+            <a:schemeClr val="accent1"/>
+          </a:fillRef>
+          <a:effectRef idx="0">
+            <a:schemeClr val="accent1"/>
+          </a:effectRef>
+          <a:fontRef idx="minor">
+            <a:schemeClr val="lt1"/>
+          </a:fontRef>
+        </p:style>
+        <p:txBody>
+          <a:bodyPr rtlCol="0" anchor="ctr"/>
+          <a:lstStyle/>
+          <a:p>
+            <a:pPr algn="ctr"/>
+            <a:endParaRPr lang="ko-KR" altLang="en-US"/>
+          </a:p>
+        </p:txBody>
+      </p:sp>
+      <p:sp>
+        <p:nvSpPr>
+          <p:cNvPr id="135" name="TextBox 134"/>
+          <p:cNvSpPr txBox="1"/>
+          <p:nvPr/>
+        </p:nvSpPr>
+        <p:spPr>
+          <a:xfrm>
+            <a:off x="927087" y="6156377"/>
+            <a:ext cx="348149" cy="200055"/>
+          </a:xfrm>
+          <a:prstGeom prst="rect">
+            <a:avLst/>
+          </a:prstGeom>
+          <a:solidFill>
+            <a:schemeClr val="accent2">
+              <a:lumMod val="60000"/>
+              <a:lumOff val="40000"/>
+            </a:schemeClr>
+          </a:solidFill>
+          <a:ln>
+            <a:noFill/>
+          </a:ln>
+        </p:spPr>
+        <p:txBody>
+          <a:bodyPr wrap="square" rtlCol="0">
+            <a:spAutoFit/>
+          </a:bodyPr>
+          <a:lstStyle/>
+          <a:p>
+            <a:pPr algn="ctr"/>
+            <a:r>
+              <a:rPr lang="ko-KR" altLang="en-US" sz="700" spc="-150" dirty="0" smtClean="0"/>
+              <a:t>확인</a:t>
+            </a:r>
+            <a:endParaRPr lang="ko-KR" altLang="en-US" sz="700" spc="-150" dirty="0"/>
+          </a:p>
+        </p:txBody>
+      </p:sp>
+      <p:sp>
+        <p:nvSpPr>
+          <p:cNvPr id="150" name="TextBox 149"/>
+          <p:cNvSpPr txBox="1"/>
+          <p:nvPr/>
+        </p:nvSpPr>
+        <p:spPr>
+          <a:xfrm>
+            <a:off x="5350109" y="5240503"/>
+            <a:ext cx="1255472" cy="200055"/>
+          </a:xfrm>
+          <a:prstGeom prst="rect">
+            <a:avLst/>
+          </a:prstGeom>
+          <a:noFill/>
+        </p:spPr>
+        <p:txBody>
+          <a:bodyPr wrap="none" rtlCol="0">
+            <a:spAutoFit/>
+          </a:bodyPr>
+          <a:lstStyle/>
+          <a:p>
+            <a:pPr algn="ctr"/>
+            <a:r>
+              <a:rPr lang="ko-KR" altLang="en-US" sz="700" dirty="0" smtClean="0"/>
+              <a:t>일치하는 회원이 없습니다</a:t>
+            </a:r>
+            <a:r>
+              <a:rPr lang="en-US" altLang="ko-KR" sz="700" dirty="0" smtClean="0"/>
+              <a:t>.</a:t>
+            </a:r>
+            <a:endParaRPr lang="ko-KR" altLang="en-US" sz="700" dirty="0"/>
+          </a:p>
+        </p:txBody>
+      </p:sp>
+      <p:sp>
+        <p:nvSpPr>
+          <p:cNvPr id="151" name="직사각형 150"/>
+          <p:cNvSpPr/>
+          <p:nvPr/>
+        </p:nvSpPr>
+        <p:spPr>
+          <a:xfrm>
+            <a:off x="5798618" y="5603273"/>
+            <a:ext cx="348149" cy="201667"/>
+          </a:xfrm>
+          <a:prstGeom prst="rect">
+            <a:avLst/>
+          </a:prstGeom>
+          <a:noFill/>
+          <a:ln>
+            <a:noFill/>
+          </a:ln>
+        </p:spPr>
+        <p:style>
+          <a:lnRef idx="2">
+            <a:schemeClr val="accent1">
+              <a:shade val="50000"/>
+            </a:schemeClr>
+          </a:lnRef>
+          <a:fillRef idx="1">
+            <a:schemeClr val="accent1"/>
+          </a:fillRef>
+          <a:effectRef idx="0">
+            <a:schemeClr val="accent1"/>
+          </a:effectRef>
+          <a:fontRef idx="minor">
+            <a:schemeClr val="lt1"/>
+          </a:fontRef>
+        </p:style>
+        <p:txBody>
+          <a:bodyPr rtlCol="0" anchor="ctr"/>
+          <a:lstStyle/>
+          <a:p>
+            <a:pPr algn="ctr"/>
+            <a:endParaRPr lang="ko-KR" altLang="en-US"/>
+          </a:p>
+        </p:txBody>
+      </p:sp>
+      <p:sp>
+        <p:nvSpPr>
+          <p:cNvPr id="153" name="TextBox 152"/>
+          <p:cNvSpPr txBox="1"/>
+          <p:nvPr/>
+        </p:nvSpPr>
+        <p:spPr>
+          <a:xfrm>
+            <a:off x="5798618" y="5603273"/>
+            <a:ext cx="348149" cy="200055"/>
+          </a:xfrm>
+          <a:prstGeom prst="rect">
+            <a:avLst/>
+          </a:prstGeom>
+          <a:solidFill>
+            <a:schemeClr val="accent2">
+              <a:lumMod val="60000"/>
+              <a:lumOff val="40000"/>
+            </a:schemeClr>
+          </a:solidFill>
+          <a:ln>
+            <a:noFill/>
+          </a:ln>
+        </p:spPr>
+        <p:txBody>
+          <a:bodyPr wrap="square" rtlCol="0">
+            <a:spAutoFit/>
+          </a:bodyPr>
+          <a:lstStyle/>
+          <a:p>
+            <a:pPr algn="ctr"/>
+            <a:r>
+              <a:rPr lang="ko-KR" altLang="en-US" sz="700" spc="-150" dirty="0" smtClean="0"/>
+              <a:t>확인</a:t>
+            </a:r>
+            <a:endParaRPr lang="ko-KR" altLang="en-US" sz="700" spc="-150" dirty="0"/>
+          </a:p>
+        </p:txBody>
+      </p:sp>
+      <p:sp>
+        <p:nvSpPr>
+          <p:cNvPr id="157" name="TextBox 156"/>
+          <p:cNvSpPr txBox="1"/>
+          <p:nvPr/>
+        </p:nvSpPr>
+        <p:spPr>
+          <a:xfrm>
+            <a:off x="7783356" y="510731"/>
+            <a:ext cx="755335" cy="200055"/>
+          </a:xfrm>
+          <a:prstGeom prst="rect">
+            <a:avLst/>
+          </a:prstGeom>
+          <a:noFill/>
+        </p:spPr>
+        <p:txBody>
+          <a:bodyPr wrap="none" rtlCol="0">
+            <a:spAutoFit/>
+          </a:bodyPr>
+          <a:lstStyle/>
+          <a:p>
+            <a:pPr algn="ctr"/>
+            <a:r>
+              <a:rPr lang="ko-KR" altLang="en-US" sz="700" smtClean="0">
+                <a:solidFill>
+                  <a:schemeClr val="bg1"/>
+                </a:solidFill>
+              </a:rPr>
+              <a:t>비밀번호 찾기</a:t>
+            </a:r>
+            <a:endParaRPr lang="ko-KR" altLang="en-US" sz="700" dirty="0">
+              <a:solidFill>
+                <a:schemeClr val="bg1"/>
+              </a:solidFill>
+            </a:endParaRPr>
+          </a:p>
+        </p:txBody>
+      </p:sp>
+      <p:sp>
+        <p:nvSpPr>
+          <p:cNvPr id="158" name="TextBox 157"/>
+          <p:cNvSpPr txBox="1"/>
+          <p:nvPr/>
+        </p:nvSpPr>
+        <p:spPr>
+          <a:xfrm>
+            <a:off x="7677558" y="1076610"/>
+            <a:ext cx="966932" cy="200055"/>
+          </a:xfrm>
+          <a:prstGeom prst="rect">
+            <a:avLst/>
+          </a:prstGeom>
+          <a:noFill/>
+        </p:spPr>
+        <p:txBody>
+          <a:bodyPr wrap="none" rtlCol="0">
+            <a:spAutoFit/>
+          </a:bodyPr>
+          <a:lstStyle/>
+          <a:p>
+            <a:pPr algn="ctr"/>
+            <a:r>
+              <a:rPr lang="ko-KR" altLang="en-US" sz="700" smtClean="0"/>
+              <a:t>비밀번호 찾기 신청</a:t>
+            </a:r>
+            <a:endParaRPr lang="ko-KR" altLang="en-US" sz="700" dirty="0"/>
+          </a:p>
+        </p:txBody>
+      </p:sp>
+      <p:sp>
+        <p:nvSpPr>
+          <p:cNvPr id="159" name="TextBox 158"/>
+          <p:cNvSpPr txBox="1"/>
+          <p:nvPr/>
+        </p:nvSpPr>
+        <p:spPr>
+          <a:xfrm>
+            <a:off x="7783356" y="1629726"/>
+            <a:ext cx="755335" cy="200055"/>
+          </a:xfrm>
+          <a:prstGeom prst="rect">
+            <a:avLst/>
+          </a:prstGeom>
+          <a:noFill/>
+        </p:spPr>
+        <p:txBody>
+          <a:bodyPr wrap="none" rtlCol="0">
+            <a:spAutoFit/>
+          </a:bodyPr>
+          <a:lstStyle/>
+          <a:p>
+            <a:pPr algn="ctr"/>
+            <a:r>
+              <a:rPr lang="ko-KR" altLang="en-US" sz="700" smtClean="0"/>
+              <a:t>인증방식 선택</a:t>
+            </a:r>
+            <a:endParaRPr lang="ko-KR" altLang="en-US" sz="700" dirty="0"/>
+          </a:p>
+        </p:txBody>
+      </p:sp>
+      <p:sp>
+        <p:nvSpPr>
+          <p:cNvPr id="160" name="TextBox 159"/>
+          <p:cNvSpPr txBox="1"/>
+          <p:nvPr/>
+        </p:nvSpPr>
+        <p:spPr>
+          <a:xfrm>
+            <a:off x="7807400" y="2341789"/>
+            <a:ext cx="707246" cy="200055"/>
+          </a:xfrm>
+          <a:prstGeom prst="rect">
+            <a:avLst/>
+          </a:prstGeom>
+          <a:noFill/>
+        </p:spPr>
+        <p:txBody>
+          <a:bodyPr wrap="none" rtlCol="0">
+            <a:spAutoFit/>
+          </a:bodyPr>
+          <a:lstStyle/>
+          <a:p>
+            <a:pPr algn="ctr"/>
+            <a:r>
+              <a:rPr lang="ko-KR" altLang="en-US" sz="700" dirty="0" smtClean="0"/>
+              <a:t>이메일 인증</a:t>
+            </a:r>
+            <a:r>
+              <a:rPr lang="en-US" altLang="ko-KR" sz="700" dirty="0" smtClean="0"/>
+              <a:t>?</a:t>
+            </a:r>
+            <a:endParaRPr lang="ko-KR" altLang="en-US" sz="700" dirty="0"/>
+          </a:p>
+        </p:txBody>
+      </p:sp>
+      <p:sp>
+        <p:nvSpPr>
+          <p:cNvPr id="161" name="TextBox 160"/>
+          <p:cNvSpPr txBox="1"/>
+          <p:nvPr/>
+        </p:nvSpPr>
+        <p:spPr>
+          <a:xfrm>
+            <a:off x="7783356" y="3058747"/>
+            <a:ext cx="755335" cy="200055"/>
+          </a:xfrm>
+          <a:prstGeom prst="rect">
+            <a:avLst/>
+          </a:prstGeom>
+          <a:noFill/>
+        </p:spPr>
+        <p:txBody>
+          <a:bodyPr wrap="none" rtlCol="0">
+            <a:spAutoFit/>
+          </a:bodyPr>
+          <a:lstStyle/>
+          <a:p>
+            <a:pPr algn="ctr"/>
+            <a:r>
+              <a:rPr lang="ko-KR" altLang="en-US" sz="700" err="1" smtClean="0"/>
+              <a:t>인증메일</a:t>
+            </a:r>
+            <a:r>
+              <a:rPr lang="ko-KR" altLang="en-US" sz="700" dirty="0" smtClean="0"/>
+              <a:t> 발송</a:t>
+            </a:r>
+            <a:endParaRPr lang="ko-KR" altLang="en-US" sz="700" dirty="0"/>
+          </a:p>
+        </p:txBody>
+      </p:sp>
+      <p:sp>
+        <p:nvSpPr>
+          <p:cNvPr id="162" name="TextBox 161"/>
+          <p:cNvSpPr txBox="1"/>
+          <p:nvPr/>
+        </p:nvSpPr>
+        <p:spPr>
+          <a:xfrm>
+            <a:off x="7783356" y="3612127"/>
+            <a:ext cx="755335" cy="200055"/>
+          </a:xfrm>
+          <a:prstGeom prst="rect">
+            <a:avLst/>
+          </a:prstGeom>
+          <a:noFill/>
+        </p:spPr>
+        <p:txBody>
+          <a:bodyPr wrap="none" rtlCol="0">
+            <a:spAutoFit/>
+          </a:bodyPr>
+          <a:lstStyle/>
+          <a:p>
+            <a:pPr algn="ctr"/>
+            <a:r>
+              <a:rPr lang="ko-KR" altLang="en-US" sz="700" dirty="0" err="1" smtClean="0"/>
+              <a:t>인증링크</a:t>
+            </a:r>
+            <a:r>
+              <a:rPr lang="ko-KR" altLang="en-US" sz="700" dirty="0" smtClean="0"/>
+              <a:t> 클릭</a:t>
+            </a:r>
+            <a:endParaRPr lang="ko-KR" altLang="en-US" sz="700" dirty="0"/>
+          </a:p>
+        </p:txBody>
+      </p:sp>
+      <p:sp>
+        <p:nvSpPr>
+          <p:cNvPr id="163" name="TextBox 162"/>
+          <p:cNvSpPr txBox="1"/>
+          <p:nvPr/>
+        </p:nvSpPr>
+        <p:spPr>
+          <a:xfrm>
+            <a:off x="7828238" y="4305124"/>
+            <a:ext cx="665567" cy="307777"/>
+          </a:xfrm>
+          <a:prstGeom prst="rect">
+            <a:avLst/>
+          </a:prstGeom>
+          <a:noFill/>
+        </p:spPr>
+        <p:txBody>
+          <a:bodyPr wrap="none" rtlCol="0">
+            <a:spAutoFit/>
+          </a:bodyPr>
+          <a:lstStyle/>
+          <a:p>
+            <a:pPr algn="ctr"/>
+            <a:r>
+              <a:rPr lang="ko-KR" altLang="en-US" sz="700" dirty="0" err="1" smtClean="0"/>
+              <a:t>유효시간</a:t>
+            </a:r>
+            <a:r>
+              <a:rPr lang="ko-KR" altLang="en-US" sz="700" dirty="0" smtClean="0"/>
+              <a:t> 내</a:t>
+            </a:r>
+            <a:endParaRPr lang="en-US" altLang="ko-KR" sz="700" dirty="0" smtClean="0"/>
+          </a:p>
+          <a:p>
+            <a:pPr algn="ctr"/>
+            <a:r>
+              <a:rPr lang="ko-KR" altLang="en-US" sz="700" dirty="0" smtClean="0"/>
+              <a:t>인증</a:t>
+            </a:r>
+            <a:r>
+              <a:rPr lang="en-US" altLang="ko-KR" sz="700" dirty="0" smtClean="0"/>
+              <a:t>?</a:t>
+            </a:r>
+            <a:endParaRPr lang="ko-KR" altLang="en-US" sz="700" dirty="0"/>
+          </a:p>
+        </p:txBody>
+      </p:sp>
+      <p:sp>
+        <p:nvSpPr>
+          <p:cNvPr id="167" name="TextBox 166"/>
+          <p:cNvSpPr txBox="1"/>
+          <p:nvPr/>
+        </p:nvSpPr>
+        <p:spPr>
+          <a:xfrm>
+            <a:off x="9561635" y="2344761"/>
+            <a:ext cx="877163" cy="200055"/>
+          </a:xfrm>
+          <a:prstGeom prst="rect">
+            <a:avLst/>
+          </a:prstGeom>
+          <a:noFill/>
+        </p:spPr>
+        <p:txBody>
+          <a:bodyPr wrap="none" rtlCol="0">
+            <a:spAutoFit/>
+          </a:bodyPr>
+          <a:lstStyle/>
+          <a:p>
+            <a:pPr algn="ctr"/>
+            <a:r>
+              <a:rPr lang="ko-KR" altLang="en-US" sz="700" dirty="0" smtClean="0"/>
+              <a:t>휴대폰 인증 선택</a:t>
+            </a:r>
+            <a:endParaRPr lang="ko-KR" altLang="en-US" sz="700" dirty="0"/>
+          </a:p>
+        </p:txBody>
+      </p:sp>
+      <p:sp>
+        <p:nvSpPr>
+          <p:cNvPr id="168" name="TextBox 167"/>
+          <p:cNvSpPr txBox="1"/>
+          <p:nvPr/>
+        </p:nvSpPr>
+        <p:spPr>
+          <a:xfrm>
+            <a:off x="7889154" y="5027621"/>
+            <a:ext cx="543740" cy="200055"/>
+          </a:xfrm>
+          <a:prstGeom prst="rect">
+            <a:avLst/>
+          </a:prstGeom>
+          <a:noFill/>
+        </p:spPr>
+        <p:txBody>
+          <a:bodyPr wrap="none" rtlCol="0">
+            <a:spAutoFit/>
+          </a:bodyPr>
+          <a:lstStyle/>
+          <a:p>
+            <a:pPr algn="ctr"/>
+            <a:r>
+              <a:rPr lang="ko-KR" altLang="en-US" sz="700" dirty="0" err="1" smtClean="0"/>
+              <a:t>인증완료</a:t>
+            </a:r>
+            <a:endParaRPr lang="ko-KR" altLang="en-US" sz="700" dirty="0"/>
+          </a:p>
+        </p:txBody>
+      </p:sp>
+      <p:sp>
+        <p:nvSpPr>
+          <p:cNvPr id="169" name="TextBox 168"/>
+          <p:cNvSpPr txBox="1"/>
+          <p:nvPr/>
+        </p:nvSpPr>
+        <p:spPr>
+          <a:xfrm>
+            <a:off x="7738473" y="5593236"/>
+            <a:ext cx="845103" cy="200055"/>
+          </a:xfrm>
+          <a:prstGeom prst="rect">
+            <a:avLst/>
+          </a:prstGeom>
+          <a:noFill/>
+        </p:spPr>
+        <p:txBody>
+          <a:bodyPr wrap="none" rtlCol="0">
+            <a:spAutoFit/>
+          </a:bodyPr>
+          <a:lstStyle/>
+          <a:p>
+            <a:pPr algn="ctr"/>
+            <a:r>
+              <a:rPr lang="ko-KR" altLang="en-US" sz="700" dirty="0" smtClean="0"/>
+              <a:t>비밀번호 재설정</a:t>
+            </a:r>
+            <a:endParaRPr lang="ko-KR" altLang="en-US" sz="700" dirty="0"/>
+          </a:p>
+        </p:txBody>
+      </p:sp>
+      <p:sp>
+        <p:nvSpPr>
+          <p:cNvPr id="170" name="TextBox 169"/>
+          <p:cNvSpPr txBox="1"/>
+          <p:nvPr/>
+        </p:nvSpPr>
+        <p:spPr>
+          <a:xfrm>
+            <a:off x="7738474" y="6101433"/>
+            <a:ext cx="845103" cy="307777"/>
+          </a:xfrm>
+          <a:prstGeom prst="rect">
+            <a:avLst/>
+          </a:prstGeom>
+          <a:noFill/>
+        </p:spPr>
+        <p:txBody>
+          <a:bodyPr wrap="none" rtlCol="0">
+            <a:spAutoFit/>
+          </a:bodyPr>
+          <a:lstStyle/>
+          <a:p>
+            <a:pPr algn="ctr"/>
+            <a:r>
+              <a:rPr lang="ko-KR" altLang="en-US" sz="700" dirty="0" smtClean="0"/>
+              <a:t>비밀번호 재설정</a:t>
+            </a:r>
+            <a:endParaRPr lang="en-US" altLang="ko-KR" sz="700" dirty="0" smtClean="0"/>
+          </a:p>
+          <a:p>
+            <a:pPr algn="ctr"/>
+            <a:r>
+              <a:rPr lang="ko-KR" altLang="en-US" sz="700" dirty="0" smtClean="0"/>
+              <a:t>완료</a:t>
+            </a:r>
+            <a:endParaRPr lang="ko-KR" altLang="en-US" sz="700" dirty="0"/>
+          </a:p>
+        </p:txBody>
+      </p:sp>
+      <p:sp>
+        <p:nvSpPr>
+          <p:cNvPr id="171" name="TextBox 170"/>
+          <p:cNvSpPr txBox="1"/>
+          <p:nvPr/>
+        </p:nvSpPr>
+        <p:spPr>
+          <a:xfrm>
+            <a:off x="9532457" y="4962697"/>
+            <a:ext cx="1435008" cy="307777"/>
+          </a:xfrm>
+          <a:prstGeom prst="rect">
+            <a:avLst/>
+          </a:prstGeom>
+          <a:noFill/>
+        </p:spPr>
+        <p:txBody>
+          <a:bodyPr wrap="none" rtlCol="0">
+            <a:spAutoFit/>
+          </a:bodyPr>
+          <a:lstStyle/>
+          <a:p>
+            <a:pPr algn="ctr"/>
+            <a:r>
+              <a:rPr lang="ko-KR" altLang="en-US" sz="700" dirty="0" err="1" smtClean="0"/>
+              <a:t>유효시간이</a:t>
+            </a:r>
+            <a:r>
+              <a:rPr lang="ko-KR" altLang="en-US" sz="700" dirty="0" smtClean="0"/>
+              <a:t> 만료되었습니다</a:t>
+            </a:r>
+            <a:r>
+              <a:rPr lang="en-US" altLang="ko-KR" sz="700" dirty="0" smtClean="0"/>
+              <a:t>.</a:t>
+            </a:r>
+          </a:p>
+          <a:p>
+            <a:pPr algn="ctr"/>
+            <a:r>
+              <a:rPr lang="ko-KR" altLang="en-US" sz="700" dirty="0" smtClean="0"/>
+              <a:t>인증메일을 다시 요청해주세요</a:t>
+            </a:r>
+            <a:r>
+              <a:rPr lang="en-US" altLang="ko-KR" sz="700" dirty="0" smtClean="0"/>
+              <a:t>.</a:t>
+            </a:r>
+            <a:endParaRPr lang="ko-KR" altLang="en-US" sz="700" dirty="0"/>
+          </a:p>
+        </p:txBody>
+      </p:sp>
+      <p:sp>
+        <p:nvSpPr>
+          <p:cNvPr id="172" name="직사각형 171"/>
+          <p:cNvSpPr/>
+          <p:nvPr/>
+        </p:nvSpPr>
+        <p:spPr>
+          <a:xfrm>
+            <a:off x="10067208" y="5329914"/>
+            <a:ext cx="348149" cy="201667"/>
+          </a:xfrm>
+          <a:prstGeom prst="rect">
+            <a:avLst/>
+          </a:prstGeom>
+          <a:solidFill>
+            <a:schemeClr val="accent2">
+              <a:lumMod val="60000"/>
+              <a:lumOff val="40000"/>
+            </a:schemeClr>
+          </a:solidFill>
+          <a:ln>
+            <a:noFill/>
+          </a:ln>
+        </p:spPr>
+        <p:style>
+          <a:lnRef idx="2">
+            <a:schemeClr val="accent1">
+              <a:shade val="50000"/>
+            </a:schemeClr>
+          </a:lnRef>
+          <a:fillRef idx="1">
+            <a:schemeClr val="accent1"/>
+          </a:fillRef>
+          <a:effectRef idx="0">
+            <a:schemeClr val="accent1"/>
+          </a:effectRef>
+          <a:fontRef idx="minor">
+            <a:schemeClr val="lt1"/>
+          </a:fontRef>
+        </p:style>
+        <p:txBody>
+          <a:bodyPr rtlCol="0" anchor="ctr"/>
+          <a:lstStyle/>
+          <a:p>
+            <a:pPr algn="ctr"/>
+            <a:endParaRPr lang="ko-KR" altLang="en-US"/>
+          </a:p>
+        </p:txBody>
+      </p:sp>
+      <p:sp>
+        <p:nvSpPr>
+          <p:cNvPr id="173" name="TextBox 172"/>
+          <p:cNvSpPr txBox="1"/>
+          <p:nvPr/>
+        </p:nvSpPr>
+        <p:spPr>
+          <a:xfrm>
+            <a:off x="10067208" y="5329914"/>
+            <a:ext cx="348149" cy="200055"/>
+          </a:xfrm>
+          <a:prstGeom prst="rect">
+            <a:avLst/>
+          </a:prstGeom>
+          <a:noFill/>
+        </p:spPr>
+        <p:txBody>
+          <a:bodyPr wrap="square" rtlCol="0">
+            <a:spAutoFit/>
+          </a:bodyPr>
+          <a:lstStyle/>
+          <a:p>
+            <a:pPr algn="ctr"/>
+            <a:r>
+              <a:rPr lang="ko-KR" altLang="en-US" sz="700" spc="-150" dirty="0" smtClean="0"/>
+              <a:t>확인</a:t>
+            </a:r>
+            <a:endParaRPr lang="ko-KR" altLang="en-US" sz="700" spc="-150" dirty="0"/>
+          </a:p>
+        </p:txBody>
+      </p:sp>
+      <p:sp>
+        <p:nvSpPr>
+          <p:cNvPr id="174" name="TextBox 173"/>
+          <p:cNvSpPr txBox="1"/>
+          <p:nvPr/>
+        </p:nvSpPr>
+        <p:spPr>
+          <a:xfrm>
+            <a:off x="9517553" y="3055815"/>
+            <a:ext cx="965329" cy="200055"/>
+          </a:xfrm>
+          <a:prstGeom prst="rect">
+            <a:avLst/>
+          </a:prstGeom>
+          <a:noFill/>
+        </p:spPr>
+        <p:txBody>
+          <a:bodyPr wrap="none" rtlCol="0">
+            <a:spAutoFit/>
+          </a:bodyPr>
+          <a:lstStyle/>
+          <a:p>
+            <a:pPr algn="ctr"/>
+            <a:r>
+              <a:rPr lang="en-US" altLang="ko-KR" sz="700" dirty="0" smtClean="0"/>
+              <a:t>SMS </a:t>
+            </a:r>
+            <a:r>
+              <a:rPr lang="ko-KR" altLang="en-US" sz="700" dirty="0" smtClean="0"/>
+              <a:t>인증번호 발송</a:t>
+            </a:r>
+            <a:endParaRPr lang="ko-KR" altLang="en-US" sz="700" dirty="0"/>
+          </a:p>
+        </p:txBody>
+      </p:sp>
+      <p:sp>
+        <p:nvSpPr>
+          <p:cNvPr id="175" name="TextBox 174"/>
+          <p:cNvSpPr txBox="1"/>
+          <p:nvPr/>
+        </p:nvSpPr>
+        <p:spPr>
+          <a:xfrm>
+            <a:off x="9622550" y="3608712"/>
+            <a:ext cx="755335" cy="200055"/>
+          </a:xfrm>
+          <a:prstGeom prst="rect">
+            <a:avLst/>
+          </a:prstGeom>
+          <a:noFill/>
+        </p:spPr>
+        <p:txBody>
+          <a:bodyPr wrap="none" rtlCol="0">
+            <a:spAutoFit/>
+          </a:bodyPr>
+          <a:lstStyle/>
+          <a:p>
+            <a:pPr algn="ctr"/>
+            <a:r>
+              <a:rPr lang="ko-KR" altLang="en-US" sz="700" dirty="0" smtClean="0"/>
+              <a:t>인증번호 입력</a:t>
+            </a:r>
+            <a:endParaRPr lang="ko-KR" altLang="en-US" sz="700" dirty="0"/>
+          </a:p>
+        </p:txBody>
+      </p:sp>
+      <p:sp>
+        <p:nvSpPr>
+          <p:cNvPr id="176" name="TextBox 175"/>
+          <p:cNvSpPr txBox="1"/>
+          <p:nvPr/>
+        </p:nvSpPr>
+        <p:spPr>
+          <a:xfrm>
+            <a:off x="10301898" y="180120"/>
+            <a:ext cx="665567" cy="200055"/>
+          </a:xfrm>
+          <a:prstGeom prst="rect">
+            <a:avLst/>
+          </a:prstGeom>
+          <a:noFill/>
+        </p:spPr>
+        <p:txBody>
+          <a:bodyPr wrap="none" rtlCol="0">
+            <a:spAutoFit/>
+          </a:bodyPr>
+          <a:lstStyle/>
+          <a:p>
+            <a:pPr algn="ctr"/>
+            <a:r>
+              <a:rPr lang="ko-KR" altLang="en-US" sz="700" dirty="0" smtClean="0"/>
+              <a:t>아이디 찾기</a:t>
+            </a:r>
+            <a:endParaRPr lang="ko-KR" altLang="en-US" sz="700" dirty="0"/>
+          </a:p>
+        </p:txBody>
+      </p:sp>
+      <p:sp>
+        <p:nvSpPr>
+          <p:cNvPr id="177" name="TextBox 176"/>
+          <p:cNvSpPr txBox="1"/>
+          <p:nvPr/>
+        </p:nvSpPr>
+        <p:spPr>
+          <a:xfrm>
+            <a:off x="10270300" y="497752"/>
+            <a:ext cx="720069" cy="200055"/>
+          </a:xfrm>
+          <a:prstGeom prst="rect">
+            <a:avLst/>
+          </a:prstGeom>
+          <a:noFill/>
+        </p:spPr>
+        <p:txBody>
+          <a:bodyPr wrap="none" rtlCol="0">
+            <a:spAutoFit/>
+          </a:bodyPr>
+          <a:lstStyle/>
+          <a:p>
+            <a:pPr algn="ctr"/>
+            <a:r>
+              <a:rPr lang="en-US" altLang="ko-KR" sz="700" dirty="0" smtClean="0"/>
+              <a:t>[</a:t>
+            </a:r>
+            <a:r>
+              <a:rPr lang="ko-KR" altLang="en-US" sz="700" dirty="0" smtClean="0"/>
+              <a:t>필드</a:t>
+            </a:r>
+            <a:r>
+              <a:rPr lang="en-US" altLang="ko-KR" sz="700" dirty="0" smtClean="0"/>
+              <a:t>] </a:t>
+            </a:r>
+            <a:r>
+              <a:rPr lang="ko-KR" altLang="en-US" sz="700" dirty="0" smtClean="0"/>
+              <a:t>아이디</a:t>
+            </a:r>
+            <a:endParaRPr lang="ko-KR" altLang="en-US" sz="700" dirty="0"/>
+          </a:p>
+        </p:txBody>
+      </p:sp>
+      <p:sp>
+        <p:nvSpPr>
+          <p:cNvPr id="178" name="TextBox 177"/>
+          <p:cNvSpPr txBox="1"/>
+          <p:nvPr/>
+        </p:nvSpPr>
+        <p:spPr>
+          <a:xfrm>
+            <a:off x="10315182" y="718193"/>
+            <a:ext cx="630301" cy="200055"/>
+          </a:xfrm>
+          <a:prstGeom prst="rect">
+            <a:avLst/>
+          </a:prstGeom>
+          <a:noFill/>
+        </p:spPr>
+        <p:txBody>
+          <a:bodyPr wrap="none" rtlCol="0">
+            <a:spAutoFit/>
+          </a:bodyPr>
+          <a:lstStyle/>
+          <a:p>
+            <a:pPr algn="ctr"/>
+            <a:r>
+              <a:rPr lang="en-US" altLang="ko-KR" sz="700" dirty="0" smtClean="0"/>
+              <a:t>[</a:t>
+            </a:r>
+            <a:r>
+              <a:rPr lang="ko-KR" altLang="en-US" sz="700" dirty="0" smtClean="0"/>
+              <a:t>필드</a:t>
+            </a:r>
+            <a:r>
+              <a:rPr lang="en-US" altLang="ko-KR" sz="700" dirty="0" smtClean="0"/>
+              <a:t>] </a:t>
+            </a:r>
+            <a:r>
+              <a:rPr lang="ko-KR" altLang="en-US" sz="700" dirty="0" smtClean="0"/>
+              <a:t>이름</a:t>
+            </a:r>
+            <a:endParaRPr lang="ko-KR" altLang="en-US" sz="700" dirty="0"/>
+          </a:p>
+        </p:txBody>
+      </p:sp>
+      <p:sp>
+        <p:nvSpPr>
+          <p:cNvPr id="179" name="TextBox 178"/>
+          <p:cNvSpPr txBox="1"/>
+          <p:nvPr/>
+        </p:nvSpPr>
+        <p:spPr>
+          <a:xfrm>
+            <a:off x="10270297" y="955712"/>
+            <a:ext cx="720069" cy="200055"/>
+          </a:xfrm>
+          <a:prstGeom prst="rect">
+            <a:avLst/>
+          </a:prstGeom>
+          <a:noFill/>
+        </p:spPr>
+        <p:txBody>
+          <a:bodyPr wrap="none" rtlCol="0">
+            <a:spAutoFit/>
+          </a:bodyPr>
+          <a:lstStyle/>
+          <a:p>
+            <a:pPr algn="ctr"/>
+            <a:r>
+              <a:rPr lang="en-US" altLang="ko-KR" sz="700" dirty="0" smtClean="0"/>
+              <a:t>[</a:t>
+            </a:r>
+            <a:r>
+              <a:rPr lang="ko-KR" altLang="en-US" sz="700" dirty="0" smtClean="0"/>
+              <a:t>필드</a:t>
+            </a:r>
+            <a:r>
+              <a:rPr lang="en-US" altLang="ko-KR" sz="700" dirty="0" smtClean="0"/>
+              <a:t>] </a:t>
+            </a:r>
+            <a:r>
+              <a:rPr lang="ko-KR" altLang="en-US" sz="700" dirty="0" smtClean="0"/>
+              <a:t>이메일</a:t>
+            </a:r>
+            <a:endParaRPr lang="en-US" altLang="ko-KR" sz="700" dirty="0" smtClean="0"/>
+          </a:p>
+        </p:txBody>
+      </p:sp>
+      <p:sp>
+        <p:nvSpPr>
+          <p:cNvPr id="180" name="TextBox 179"/>
+          <p:cNvSpPr txBox="1"/>
+          <p:nvPr/>
+        </p:nvSpPr>
+        <p:spPr>
+          <a:xfrm>
+            <a:off x="10090763" y="1184402"/>
+            <a:ext cx="1079143" cy="200055"/>
+          </a:xfrm>
+          <a:prstGeom prst="rect">
+            <a:avLst/>
+          </a:prstGeom>
+          <a:noFill/>
+        </p:spPr>
+        <p:txBody>
+          <a:bodyPr wrap="none" rtlCol="0">
+            <a:spAutoFit/>
+          </a:bodyPr>
+          <a:lstStyle/>
+          <a:p>
+            <a:pPr algn="ctr"/>
+            <a:r>
+              <a:rPr lang="en-US" altLang="ko-KR" sz="700" dirty="0" smtClean="0"/>
+              <a:t>[</a:t>
+            </a:r>
+            <a:r>
+              <a:rPr lang="ko-KR" altLang="en-US" sz="700" dirty="0" err="1" smtClean="0"/>
+              <a:t>라디오버튼</a:t>
+            </a:r>
+            <a:r>
+              <a:rPr lang="en-US" altLang="ko-KR" sz="700" dirty="0" smtClean="0"/>
+              <a:t>] </a:t>
+            </a:r>
+            <a:r>
+              <a:rPr lang="ko-KR" altLang="en-US" sz="700" dirty="0" smtClean="0"/>
+              <a:t>인증방식</a:t>
+            </a:r>
+            <a:endParaRPr lang="en-US" altLang="ko-KR" sz="700" dirty="0" smtClean="0"/>
+          </a:p>
+        </p:txBody>
+      </p:sp>
+      <p:sp>
+        <p:nvSpPr>
+          <p:cNvPr id="181" name="TextBox 180"/>
+          <p:cNvSpPr txBox="1"/>
+          <p:nvPr/>
+        </p:nvSpPr>
+        <p:spPr>
+          <a:xfrm>
+            <a:off x="10304912" y="1412408"/>
+            <a:ext cx="665567" cy="200055"/>
+          </a:xfrm>
+          <a:prstGeom prst="rect">
+            <a:avLst/>
+          </a:prstGeom>
+          <a:noFill/>
+        </p:spPr>
+        <p:txBody>
+          <a:bodyPr wrap="none" rtlCol="0">
+            <a:spAutoFit/>
+          </a:bodyPr>
+          <a:lstStyle/>
+          <a:p>
+            <a:pPr algn="ctr"/>
+            <a:r>
+              <a:rPr lang="ko-KR" altLang="en-US" sz="700" dirty="0" smtClean="0"/>
+              <a:t>이메일 인증</a:t>
+            </a:r>
+            <a:endParaRPr lang="en-US" altLang="ko-KR" sz="700" dirty="0" smtClean="0"/>
+          </a:p>
+        </p:txBody>
+      </p:sp>
+      <p:sp>
+        <p:nvSpPr>
+          <p:cNvPr id="182" name="TextBox 181"/>
+          <p:cNvSpPr txBox="1"/>
+          <p:nvPr/>
+        </p:nvSpPr>
+        <p:spPr>
+          <a:xfrm>
+            <a:off x="10305608" y="1641098"/>
+            <a:ext cx="665567" cy="200055"/>
+          </a:xfrm>
+          <a:prstGeom prst="rect">
+            <a:avLst/>
+          </a:prstGeom>
+          <a:noFill/>
+        </p:spPr>
+        <p:txBody>
+          <a:bodyPr wrap="none" rtlCol="0">
+            <a:spAutoFit/>
+          </a:bodyPr>
+          <a:lstStyle/>
+          <a:p>
+            <a:pPr algn="ctr"/>
+            <a:r>
+              <a:rPr lang="ko-KR" altLang="en-US" sz="700" dirty="0" smtClean="0"/>
+              <a:t>휴대폰 인증</a:t>
+            </a:r>
+            <a:endParaRPr lang="en-US" altLang="ko-KR" sz="700" dirty="0" smtClean="0"/>
+          </a:p>
+        </p:txBody>
+      </p:sp>
+      <p:sp>
+        <p:nvSpPr>
+          <p:cNvPr id="183" name="TextBox 182"/>
+          <p:cNvSpPr txBox="1"/>
+          <p:nvPr/>
+        </p:nvSpPr>
+        <p:spPr>
+          <a:xfrm>
+            <a:off x="10126980" y="1884635"/>
+            <a:ext cx="1021434" cy="200055"/>
+          </a:xfrm>
+          <a:prstGeom prst="rect">
+            <a:avLst/>
+          </a:prstGeom>
+          <a:noFill/>
+        </p:spPr>
+        <p:txBody>
+          <a:bodyPr wrap="none" rtlCol="0">
+            <a:spAutoFit/>
+          </a:bodyPr>
+          <a:lstStyle/>
+          <a:p>
+            <a:pPr algn="ctr"/>
+            <a:r>
+              <a:rPr lang="en-US" altLang="ko-KR" sz="700" dirty="0" smtClean="0"/>
+              <a:t>[</a:t>
+            </a:r>
+            <a:r>
+              <a:rPr lang="ko-KR" altLang="en-US" sz="700" dirty="0" smtClean="0"/>
+              <a:t>버튼</a:t>
+            </a:r>
+            <a:r>
+              <a:rPr lang="en-US" altLang="ko-KR" sz="700" dirty="0" smtClean="0"/>
+              <a:t>] </a:t>
+            </a:r>
+            <a:r>
+              <a:rPr lang="ko-KR" altLang="en-US" sz="700" dirty="0" smtClean="0"/>
+              <a:t>비밀번호 찾기</a:t>
+            </a:r>
+            <a:endParaRPr lang="en-US" altLang="ko-KR" sz="700" dirty="0" smtClean="0"/>
+          </a:p>
+        </p:txBody>
+      </p:sp>
     </p:spTree>
     <p:extLst>
       <p:ext uri="{BB962C8B-B14F-4D97-AF65-F5344CB8AC3E}">
